--- a/Complimentary Course Content/Module6/Lessons/Module6_Lesson6 Azure Stream Analytics.pptx
+++ b/Complimentary Course Content/Module6/Lessons/Module6_Lesson6 Azure Stream Analytics.pptx
@@ -169,7 +169,7 @@
       </p14:sectionLst>
     </p:ext>
     <p:ext uri="{EFAFB233-063F-42B5-8137-9DF3F51BA10A}">
-      <p15:sldGuideLst xmlns="" xmlns:p15="http://schemas.microsoft.com/office/powerpoint/2012/main">
+      <p15:sldGuideLst xmlns:p15="http://schemas.microsoft.com/office/powerpoint/2012/main" xmlns="">
         <p15:guide id="1" orient="horz" pos="2137" userDrawn="1">
           <p15:clr>
             <a:srgbClr val="A4A3A4"/>
@@ -183,7 +183,7 @@
       </p15:sldGuideLst>
     </p:ext>
     <p:ext uri="{2D200454-40CA-4A62-9FC3-DE9A4176ACB9}">
-      <p15:notesGuideLst xmlns="" xmlns:p15="http://schemas.microsoft.com/office/powerpoint/2012/main"/>
+      <p15:notesGuideLst xmlns:p15="http://schemas.microsoft.com/office/powerpoint/2012/main" xmlns=""/>
     </p:ext>
   </p:extLst>
 </p:presentation>
@@ -279,7 +279,7 @@
             <a:fld id="{30A74B2F-3EEF-410A-B738-5B66A46A3256}" type="datetimeFigureOut">
               <a:rPr lang="en-US" smtClean="0"/>
               <a:pPr/>
-              <a:t>6/15/16</a:t>
+              <a:t>7/7/16</a:t>
             </a:fld>
             <a:endParaRPr lang="en-US"/>
           </a:p>
@@ -446,7 +446,7 @@
             <a:fld id="{2E5CA586-3557-4985-BCD4-35EF5AC8B4A4}" type="datetimeFigureOut">
               <a:rPr lang="en-US" smtClean="0"/>
               <a:pPr/>
-              <a:t>6/15/16</a:t>
+              <a:t>7/7/16</a:t>
             </a:fld>
             <a:endParaRPr lang="en-US"/>
           </a:p>
@@ -12504,7 +12504,7 @@
                 <a:latin typeface="Segoe UI"/>
               </a:rPr>
               <a:pPr/>
-              <a:t>6/15/16</a:t>
+              <a:t>7/7/16</a:t>
             </a:fld>
             <a:endParaRPr lang="en-US">
               <a:solidFill>
@@ -12709,7 +12709,7 @@
                 <a:latin typeface="Segoe UI"/>
               </a:rPr>
               <a:pPr/>
-              <a:t>6/15/16</a:t>
+              <a:t>7/7/16</a:t>
             </a:fld>
             <a:endParaRPr lang="en-US">
               <a:solidFill>
@@ -13007,7 +13007,7 @@
                 <a:latin typeface="Segoe UI"/>
               </a:rPr>
               <a:pPr/>
-              <a:t>6/15/16</a:t>
+              <a:t>7/7/16</a:t>
             </a:fld>
             <a:endParaRPr lang="en-US">
               <a:solidFill>
@@ -13351,7 +13351,7 @@
                 <a:latin typeface="Segoe UI"/>
               </a:rPr>
               <a:pPr/>
-              <a:t>6/15/16</a:t>
+              <a:t>7/7/16</a:t>
             </a:fld>
             <a:endParaRPr lang="en-US">
               <a:solidFill>
@@ -13726,7 +13726,7 @@
                 <a:latin typeface="Segoe UI"/>
               </a:rPr>
               <a:pPr/>
-              <a:t>6/15/16</a:t>
+              <a:t>7/7/16</a:t>
             </a:fld>
             <a:endParaRPr lang="en-US">
               <a:solidFill>
@@ -15037,7 +15037,7 @@
                 <a:latin typeface="Segoe UI"/>
               </a:rPr>
               <a:pPr/>
-              <a:t>6/15/16</a:t>
+              <a:t>7/7/16</a:t>
             </a:fld>
             <a:endParaRPr lang="en-US">
               <a:solidFill>
@@ -15438,7 +15438,7 @@
                 <a:latin typeface="Segoe UI"/>
               </a:rPr>
               <a:pPr/>
-              <a:t>6/15/16</a:t>
+              <a:t>7/7/16</a:t>
             </a:fld>
             <a:endParaRPr lang="en-US">
               <a:solidFill>
@@ -15592,7 +15592,7 @@
                 <a:latin typeface="Segoe UI"/>
               </a:rPr>
               <a:pPr/>
-              <a:t>6/15/16</a:t>
+              <a:t>7/7/16</a:t>
             </a:fld>
             <a:endParaRPr lang="en-US">
               <a:solidFill>
@@ -15724,7 +15724,7 @@
                 <a:latin typeface="Segoe UI"/>
               </a:rPr>
               <a:pPr/>
-              <a:t>6/15/16</a:t>
+              <a:t>7/7/16</a:t>
             </a:fld>
             <a:endParaRPr lang="en-US">
               <a:solidFill>
@@ -16036,7 +16036,7 @@
                 <a:latin typeface="Segoe UI"/>
               </a:rPr>
               <a:pPr/>
-              <a:t>6/15/16</a:t>
+              <a:t>7/7/16</a:t>
             </a:fld>
             <a:endParaRPr lang="en-US">
               <a:solidFill>
@@ -16325,7 +16325,7 @@
                 <a:latin typeface="Segoe UI"/>
               </a:rPr>
               <a:pPr/>
-              <a:t>6/15/16</a:t>
+              <a:t>7/7/16</a:t>
             </a:fld>
             <a:endParaRPr lang="en-US">
               <a:solidFill>
@@ -16530,7 +16530,7 @@
                 <a:latin typeface="Segoe UI"/>
               </a:rPr>
               <a:pPr/>
-              <a:t>6/15/16</a:t>
+              <a:t>7/7/16</a:t>
             </a:fld>
             <a:endParaRPr lang="en-US">
               <a:solidFill>
@@ -16745,7 +16745,7 @@
                 <a:latin typeface="Segoe UI"/>
               </a:rPr>
               <a:pPr/>
-              <a:t>6/15/16</a:t>
+              <a:t>7/7/16</a:t>
             </a:fld>
             <a:endParaRPr lang="en-US">
               <a:solidFill>
@@ -16988,7 +16988,7 @@
                 <a:latin typeface="Segoe UI"/>
               </a:rPr>
               <a:pPr/>
-              <a:t>6/15/16</a:t>
+              <a:t>7/7/16</a:t>
             </a:fld>
             <a:endParaRPr lang="en-US">
               <a:solidFill>
@@ -17193,7 +17193,7 @@
                 <a:latin typeface="Segoe UI"/>
               </a:rPr>
               <a:pPr/>
-              <a:t>6/15/16</a:t>
+              <a:t>7/7/16</a:t>
             </a:fld>
             <a:endParaRPr lang="en-US">
               <a:solidFill>
@@ -17948,7 +17948,7 @@
                 <a:latin typeface="Segoe UI"/>
               </a:rPr>
               <a:pPr/>
-              <a:t>6/15/16</a:t>
+              <a:t>7/7/16</a:t>
             </a:fld>
             <a:endParaRPr lang="en-US">
               <a:solidFill>
@@ -18292,7 +18292,7 @@
                 <a:latin typeface="Segoe UI"/>
               </a:rPr>
               <a:pPr/>
-              <a:t>6/15/16</a:t>
+              <a:t>7/7/16</a:t>
             </a:fld>
             <a:endParaRPr lang="en-US">
               <a:solidFill>
@@ -18667,7 +18667,7 @@
                 <a:latin typeface="Segoe UI"/>
               </a:rPr>
               <a:pPr/>
-              <a:t>6/15/16</a:t>
+              <a:t>7/7/16</a:t>
             </a:fld>
             <a:endParaRPr lang="en-US">
               <a:solidFill>
@@ -19611,7 +19611,7 @@
                 <a:latin typeface="Segoe UI"/>
               </a:rPr>
               <a:pPr/>
-              <a:t>6/15/16</a:t>
+              <a:t>7/7/16</a:t>
             </a:fld>
             <a:endParaRPr lang="en-US">
               <a:solidFill>
@@ -20012,7 +20012,7 @@
                 <a:latin typeface="Segoe UI"/>
               </a:rPr>
               <a:pPr/>
-              <a:t>6/15/16</a:t>
+              <a:t>7/7/16</a:t>
             </a:fld>
             <a:endParaRPr lang="en-US">
               <a:solidFill>
@@ -20166,7 +20166,7 @@
                 <a:latin typeface="Segoe UI"/>
               </a:rPr>
               <a:pPr/>
-              <a:t>6/15/16</a:t>
+              <a:t>7/7/16</a:t>
             </a:fld>
             <a:endParaRPr lang="en-US">
               <a:solidFill>
@@ -20298,7 +20298,7 @@
                 <a:latin typeface="Segoe UI"/>
               </a:rPr>
               <a:pPr/>
-              <a:t>6/15/16</a:t>
+              <a:t>7/7/16</a:t>
             </a:fld>
             <a:endParaRPr lang="en-US">
               <a:solidFill>
@@ -21173,7 +21173,7 @@
                 <a:latin typeface="Segoe UI"/>
               </a:rPr>
               <a:pPr/>
-              <a:t>6/15/16</a:t>
+              <a:t>7/7/16</a:t>
             </a:fld>
             <a:endParaRPr lang="en-US">
               <a:solidFill>
@@ -21462,7 +21462,7 @@
                 <a:latin typeface="Segoe UI"/>
               </a:rPr>
               <a:pPr/>
-              <a:t>6/15/16</a:t>
+              <a:t>7/7/16</a:t>
             </a:fld>
             <a:endParaRPr lang="en-US">
               <a:solidFill>
@@ -21667,7 +21667,7 @@
                 <a:latin typeface="Segoe UI"/>
               </a:rPr>
               <a:pPr/>
-              <a:t>6/15/16</a:t>
+              <a:t>7/7/16</a:t>
             </a:fld>
             <a:endParaRPr lang="en-US">
               <a:solidFill>
@@ -21882,7 +21882,7 @@
                 <a:latin typeface="Segoe UI"/>
               </a:rPr>
               <a:pPr/>
-              <a:t>6/15/16</a:t>
+              <a:t>7/7/16</a:t>
             </a:fld>
             <a:endParaRPr lang="en-US">
               <a:solidFill>
@@ -23567,7 +23567,7 @@
                 <a:latin typeface="Segoe UI"/>
               </a:rPr>
               <a:pPr/>
-              <a:t>6/15/16</a:t>
+              <a:t>7/7/16</a:t>
             </a:fld>
             <a:endParaRPr lang="en-US">
               <a:solidFill>
@@ -24147,7 +24147,7 @@
                 <a:latin typeface="Segoe UI"/>
               </a:rPr>
               <a:pPr/>
-              <a:t>6/15/16</a:t>
+              <a:t>7/7/16</a:t>
             </a:fld>
             <a:endParaRPr lang="en-US">
               <a:solidFill>
@@ -41364,7 +41364,7 @@
             <p:ph idx="1"/>
             <p:extLst>
               <p:ext uri="{D42A27DB-BD31-4B8C-83A1-F6EECF244321}">
-                <p14:modId xmlns:p14="http://schemas.microsoft.com/office/powerpoint/2010/main" val="1142174918"/>
+                <p14:modId xmlns:p14="http://schemas.microsoft.com/office/powerpoint/2010/main" val="2384371652"/>
               </p:ext>
             </p:extLst>
           </p:nvPr>
@@ -41383,14 +41383,14 @@
                 <a:gridCol w="2773680">
                   <a:extLst>
                     <a:ext uri="{9D8B030D-6E8A-4147-A177-3AD203B41FA5}">
-                      <a16:colId xmlns:a16="http://schemas.microsoft.com/office/drawing/2014/main" xmlns="" val="34350819"/>
+                      <a16:colId xmlns="" xmlns:a16="http://schemas.microsoft.com/office/drawing/2014/main" val="34350819"/>
                     </a:ext>
                   </a:extLst>
                 </a:gridCol>
                 <a:gridCol w="7741920">
                   <a:extLst>
                     <a:ext uri="{9D8B030D-6E8A-4147-A177-3AD203B41FA5}">
-                      <a16:colId xmlns:a16="http://schemas.microsoft.com/office/drawing/2014/main" xmlns="" val="231817109"/>
+                      <a16:colId xmlns="" xmlns:a16="http://schemas.microsoft.com/office/drawing/2014/main" val="231817109"/>
                     </a:ext>
                   </a:extLst>
                 </a:gridCol>
@@ -41403,7 +41403,7 @@
                     <a:p>
                       <a:pPr algn="ctr"/>
                       <a:r>
-                        <a:rPr lang="en-US" sz="2000" b="0" dirty="0"/>
+                        <a:rPr lang="en-US" sz="2000" b="1" dirty="0"/>
                         <a:t>Item</a:t>
                       </a:r>
                     </a:p>
@@ -41434,7 +41434,7 @@
                 </a:tc>
                 <a:extLst>
                   <a:ext uri="{0D108BD9-81ED-4DB2-BD59-A6C34878D82A}">
-                    <a16:rowId xmlns:a16="http://schemas.microsoft.com/office/drawing/2014/main" xmlns="" val="3435116614"/>
+                    <a16:rowId xmlns="" xmlns:a16="http://schemas.microsoft.com/office/drawing/2014/main" val="3435116614"/>
                   </a:ext>
                 </a:extLst>
               </a:tr>
@@ -41445,10 +41445,10 @@
                     <a:lstStyle/>
                     <a:p>
                       <a:r>
-                        <a:rPr lang="en-US" sz="2000" dirty="0" err="1"/>
+                        <a:rPr lang="en-US" sz="2000" b="1" dirty="0" err="1"/>
                         <a:t>System.Timestamp</a:t>
                       </a:r>
-                      <a:endParaRPr lang="en-US" sz="2000" dirty="0"/>
+                      <a:endParaRPr lang="en-US" sz="2000" b="1" dirty="0"/>
                     </a:p>
                   </a:txBody>
                   <a:tcPr>
@@ -41497,7 +41497,7 @@
                 </a:tc>
                 <a:extLst>
                   <a:ext uri="{0D108BD9-81ED-4DB2-BD59-A6C34878D82A}">
-                    <a16:rowId xmlns:a16="http://schemas.microsoft.com/office/drawing/2014/main" xmlns="" val="3284797959"/>
+                    <a16:rowId xmlns="" xmlns:a16="http://schemas.microsoft.com/office/drawing/2014/main" val="3284797959"/>
                   </a:ext>
                 </a:extLst>
               </a:tr>
@@ -41508,7 +41508,7 @@
                     <a:lstStyle/>
                     <a:p>
                       <a:r>
-                        <a:rPr lang="en-US" sz="2000" dirty="0"/>
+                        <a:rPr lang="en-US" sz="2000" b="1" dirty="0"/>
                         <a:t>TIMESTAMP BY</a:t>
                       </a:r>
                     </a:p>
@@ -41544,7 +41544,7 @@
                 </a:tc>
                 <a:extLst>
                   <a:ext uri="{0D108BD9-81ED-4DB2-BD59-A6C34878D82A}">
-                    <a16:rowId xmlns:a16="http://schemas.microsoft.com/office/drawing/2014/main" xmlns="" val="2116924200"/>
+                    <a16:rowId xmlns="" xmlns:a16="http://schemas.microsoft.com/office/drawing/2014/main" val="2116924200"/>
                   </a:ext>
                 </a:extLst>
               </a:tr>
@@ -41555,7 +41555,7 @@
                     <a:lstStyle/>
                     <a:p>
                       <a:r>
-                        <a:rPr lang="en-US" sz="2000" dirty="0"/>
+                        <a:rPr lang="en-US" sz="2000" b="1" dirty="0"/>
                         <a:t>Time Skew Policies</a:t>
                       </a:r>
                     </a:p>
@@ -41594,7 +41594,7 @@
                 </a:tc>
                 <a:extLst>
                   <a:ext uri="{0D108BD9-81ED-4DB2-BD59-A6C34878D82A}">
-                    <a16:rowId xmlns:a16="http://schemas.microsoft.com/office/drawing/2014/main" xmlns="" val="3256579316"/>
+                    <a16:rowId xmlns="" xmlns:a16="http://schemas.microsoft.com/office/drawing/2014/main" val="3256579316"/>
                   </a:ext>
                 </a:extLst>
               </a:tr>
@@ -41605,7 +41605,7 @@
                     <a:lstStyle/>
                     <a:p>
                       <a:r>
-                        <a:rPr lang="en-US" sz="2000" dirty="0"/>
+                        <a:rPr lang="en-US" sz="2000" b="1" dirty="0"/>
                         <a:t>Aggregate functions over time window</a:t>
                       </a:r>
                     </a:p>
@@ -41644,7 +41644,7 @@
                 </a:tc>
                 <a:extLst>
                   <a:ext uri="{0D108BD9-81ED-4DB2-BD59-A6C34878D82A}">
-                    <a16:rowId xmlns:a16="http://schemas.microsoft.com/office/drawing/2014/main" xmlns="" val="1256079255"/>
+                    <a16:rowId xmlns="" xmlns:a16="http://schemas.microsoft.com/office/drawing/2014/main" val="1256079255"/>
                   </a:ext>
                 </a:extLst>
               </a:tr>
@@ -41655,7 +41655,7 @@
                     <a:lstStyle/>
                     <a:p>
                       <a:r>
-                        <a:rPr lang="en-US" sz="2000" dirty="0"/>
+                        <a:rPr lang="en-US" sz="2000" b="1" dirty="0"/>
                         <a:t>DATEDIFF in JOIN predicate</a:t>
                       </a:r>
                     </a:p>
@@ -41694,7 +41694,7 @@
                 </a:tc>
                 <a:extLst>
                   <a:ext uri="{0D108BD9-81ED-4DB2-BD59-A6C34878D82A}">
-                    <a16:rowId xmlns:a16="http://schemas.microsoft.com/office/drawing/2014/main" xmlns="" val="4017772397"/>
+                    <a16:rowId xmlns="" xmlns:a16="http://schemas.microsoft.com/office/drawing/2014/main" val="4017772397"/>
                   </a:ext>
                 </a:extLst>
               </a:tr>
@@ -41705,7 +41705,7 @@
                     <a:lstStyle/>
                     <a:p>
                       <a:r>
-                        <a:rPr lang="en-US" sz="2000" dirty="0"/>
+                        <a:rPr lang="en-US" sz="2000" b="1" dirty="0"/>
                         <a:t>Date and Time functions</a:t>
                       </a:r>
                     </a:p>
@@ -41744,7 +41744,7 @@
                 </a:tc>
                 <a:extLst>
                   <a:ext uri="{0D108BD9-81ED-4DB2-BD59-A6C34878D82A}">
-                    <a16:rowId xmlns:a16="http://schemas.microsoft.com/office/drawing/2014/main" xmlns="" val="383767908"/>
+                    <a16:rowId xmlns="" xmlns:a16="http://schemas.microsoft.com/office/drawing/2014/main" val="383767908"/>
                   </a:ext>
                 </a:extLst>
               </a:tr>
@@ -43142,11 +43142,6 @@
                 </a:rPr>
                 <a:t>3</a:t>
               </a:r>
-              <a:endParaRPr lang="en-US" dirty="0" smtClean="0">
-                <a:solidFill>
-                  <a:schemeClr val="bg1"/>
-                </a:solidFill>
-              </a:endParaRPr>
             </a:p>
           </p:txBody>
         </p:sp>
@@ -43200,11 +43195,6 @@
                 </a:rPr>
                 <a:t>1</a:t>
               </a:r>
-              <a:endParaRPr lang="en-US" dirty="0" smtClean="0">
-                <a:solidFill>
-                  <a:schemeClr val="bg1"/>
-                </a:solidFill>
-              </a:endParaRPr>
             </a:p>
           </p:txBody>
         </p:sp>
@@ -43258,11 +43248,6 @@
                 </a:rPr>
                 <a:t>2</a:t>
               </a:r>
-              <a:endParaRPr lang="en-US" dirty="0" smtClean="0">
-                <a:solidFill>
-                  <a:schemeClr val="bg1"/>
-                </a:solidFill>
-              </a:endParaRPr>
             </a:p>
           </p:txBody>
         </p:sp>
@@ -43402,11 +43387,6 @@
                 </a:rPr>
                 <a:t>7</a:t>
               </a:r>
-              <a:endParaRPr lang="en-US" dirty="0" smtClean="0">
-                <a:solidFill>
-                  <a:schemeClr val="bg1"/>
-                </a:solidFill>
-              </a:endParaRPr>
             </a:p>
           </p:txBody>
         </p:sp>
@@ -43460,11 +43440,6 @@
                 </a:rPr>
                 <a:t>5</a:t>
               </a:r>
-              <a:endParaRPr lang="en-US" dirty="0" smtClean="0">
-                <a:solidFill>
-                  <a:schemeClr val="bg1"/>
-                </a:solidFill>
-              </a:endParaRPr>
             </a:p>
           </p:txBody>
         </p:sp>
@@ -43568,11 +43543,6 @@
                 </a:rPr>
                 <a:t>3</a:t>
               </a:r>
-              <a:endParaRPr lang="en-US" dirty="0" smtClean="0">
-                <a:solidFill>
-                  <a:schemeClr val="bg1"/>
-                </a:solidFill>
-              </a:endParaRPr>
             </a:p>
           </p:txBody>
         </p:sp>
@@ -43626,11 +43596,6 @@
                 </a:rPr>
                 <a:t>1</a:t>
               </a:r>
-              <a:endParaRPr lang="en-US" dirty="0" smtClean="0">
-                <a:solidFill>
-                  <a:schemeClr val="bg1"/>
-                </a:solidFill>
-              </a:endParaRPr>
             </a:p>
           </p:txBody>
         </p:sp>
@@ -43748,11 +43713,6 @@
                   </a:rPr>
                   <a:t>7</a:t>
                 </a:r>
-                <a:endParaRPr lang="en-US" dirty="0" smtClean="0">
-                  <a:solidFill>
-                    <a:schemeClr val="bg1"/>
-                  </a:solidFill>
-                </a:endParaRPr>
               </a:p>
             </p:txBody>
           </p:sp>
@@ -43806,11 +43766,6 @@
                   </a:rPr>
                   <a:t>5</a:t>
                 </a:r>
-                <a:endParaRPr lang="en-US" dirty="0" smtClean="0">
-                  <a:solidFill>
-                    <a:schemeClr val="bg1"/>
-                  </a:solidFill>
-                </a:endParaRPr>
               </a:p>
             </p:txBody>
           </p:sp>
@@ -43865,11 +43820,6 @@
                 </a:rPr>
                 <a:t>2</a:t>
               </a:r>
-              <a:endParaRPr lang="en-US" dirty="0" smtClean="0">
-                <a:solidFill>
-                  <a:schemeClr val="bg1"/>
-                </a:solidFill>
-              </a:endParaRPr>
             </a:p>
           </p:txBody>
         </p:sp>
@@ -44424,11 +44374,6 @@
                 </a:rPr>
                 <a:t>2</a:t>
               </a:r>
-              <a:endParaRPr lang="en-US" dirty="0" smtClean="0">
-                <a:solidFill>
-                  <a:schemeClr val="bg1"/>
-                </a:solidFill>
-              </a:endParaRPr>
             </a:p>
           </p:txBody>
         </p:sp>
@@ -44522,11 +44467,6 @@
                 </a:rPr>
                 <a:t>12</a:t>
               </a:r>
-              <a:endParaRPr lang="en-US" dirty="0" smtClean="0">
-                <a:solidFill>
-                  <a:schemeClr val="bg1"/>
-                </a:solidFill>
-              </a:endParaRPr>
             </a:p>
           </p:txBody>
         </p:sp>
@@ -52080,7 +52020,7 @@
   <a:extraClrSchemeLst/>
   <a:extLst>
     <a:ext uri="{05A4C25C-085E-4340-85A3-A5531E510DB2}">
-      <thm15:themeFamily xmlns="" xmlns:thm15="http://schemas.microsoft.com/office/thememl/2012/main" name="Azure4ResearchTemplate" id="{DD1C6CE8-BDBA-0D4F-9930-3643ABC8EF0E}" vid="{B5C66FD7-0952-994B-96D6-AB3BB89097FE}"/>
+      <thm15:themeFamily xmlns:thm15="http://schemas.microsoft.com/office/thememl/2012/main" xmlns="" name="Azure4ResearchTemplate" id="{DD1C6CE8-BDBA-0D4F-9930-3643ABC8EF0E}" vid="{B5C66FD7-0952-994B-96D6-AB3BB89097FE}"/>
     </a:ext>
   </a:extLst>
 </a:theme>
@@ -52349,7 +52289,7 @@
   <a:extraClrSchemeLst/>
   <a:extLst>
     <a:ext uri="{05A4C25C-085E-4340-85A3-A5531E510DB2}">
-      <thm15:themeFamily xmlns="" xmlns:thm15="http://schemas.microsoft.com/office/thememl/2012/main" name="Office Theme" id="{62F939B6-93AF-4DB8-9C6B-D6C7DFDC589F}" vid="{4A3C46E8-61CC-4603-A589-7422A47A8E4A}"/>
+      <thm15:themeFamily xmlns:thm15="http://schemas.microsoft.com/office/thememl/2012/main" xmlns="" name="Office Theme" id="{62F939B6-93AF-4DB8-9C6B-D6C7DFDC589F}" vid="{4A3C46E8-61CC-4603-A589-7422A47A8E4A}"/>
     </a:ext>
   </a:extLst>
 </a:theme>
@@ -52618,7 +52558,7 @@
   <a:extraClrSchemeLst/>
   <a:extLst>
     <a:ext uri="{05A4C25C-085E-4340-85A3-A5531E510DB2}">
-      <thm15:themeFamily xmlns="" xmlns:thm15="http://schemas.microsoft.com/office/thememl/2012/main" name="Office Theme" id="{62F939B6-93AF-4DB8-9C6B-D6C7DFDC589F}" vid="{4A3C46E8-61CC-4603-A589-7422A47A8E4A}"/>
+      <thm15:themeFamily xmlns:thm15="http://schemas.microsoft.com/office/thememl/2012/main" xmlns="" name="Office Theme" id="{62F939B6-93AF-4DB8-9C6B-D6C7DFDC589F}" vid="{4A3C46E8-61CC-4603-A589-7422A47A8E4A}"/>
     </a:ext>
   </a:extLst>
 </a:theme>
@@ -52879,7 +52819,7 @@
   <a:extraClrSchemeLst/>
   <a:extLst>
     <a:ext uri="{05A4C25C-085E-4340-85A3-A5531E510DB2}">
-      <thm15:themeFamily xmlns="" xmlns:thm15="http://schemas.microsoft.com/office/thememl/2012/main" name="Office Theme" id="{62F939B6-93AF-4DB8-9C6B-D6C7DFDC589F}" vid="{4A3C46E8-61CC-4603-A589-7422A47A8E4A}"/>
+      <thm15:themeFamily xmlns:thm15="http://schemas.microsoft.com/office/thememl/2012/main" xmlns="" name="Office Theme" id="{62F939B6-93AF-4DB8-9C6B-D6C7DFDC589F}" vid="{4A3C46E8-61CC-4603-A589-7422A47A8E4A}"/>
     </a:ext>
   </a:extLst>
 </a:theme>
@@ -53174,7 +53114,7 @@
   <a:extraClrSchemeLst/>
   <a:extLst>
     <a:ext uri="{05A4C25C-085E-4340-85A3-A5531E510DB2}">
-      <thm15:themeFamily xmlns="" xmlns:thm15="http://schemas.microsoft.com/office/thememl/2012/main" name="Office Theme" id="{62F939B6-93AF-4DB8-9C6B-D6C7DFDC589F}" vid="{4A3C46E8-61CC-4603-A589-7422A47A8E4A}"/>
+      <thm15:themeFamily xmlns:thm15="http://schemas.microsoft.com/office/thememl/2012/main" xmlns="" name="Office Theme" id="{62F939B6-93AF-4DB8-9C6B-D6C7DFDC589F}" vid="{4A3C46E8-61CC-4603-A589-7422A47A8E4A}"/>
     </a:ext>
   </a:extLst>
 </a:theme>

--- a/Complimentary Course Content/Module6/Lessons/Module6_Lesson6 Azure Stream Analytics.pptx
+++ b/Complimentary Course Content/Module6/Lessons/Module6_Lesson6 Azure Stream Analytics.pptx
@@ -169,7 +169,7 @@
       </p14:sectionLst>
     </p:ext>
     <p:ext uri="{EFAFB233-063F-42B5-8137-9DF3F51BA10A}">
-      <p15:sldGuideLst xmlns:p15="http://schemas.microsoft.com/office/powerpoint/2012/main" xmlns="">
+      <p15:sldGuideLst xmlns="" xmlns:p15="http://schemas.microsoft.com/office/powerpoint/2012/main">
         <p15:guide id="1" orient="horz" pos="2137" userDrawn="1">
           <p15:clr>
             <a:srgbClr val="A4A3A4"/>
@@ -183,7 +183,7 @@
       </p15:sldGuideLst>
     </p:ext>
     <p:ext uri="{2D200454-40CA-4A62-9FC3-DE9A4176ACB9}">
-      <p15:notesGuideLst xmlns:p15="http://schemas.microsoft.com/office/powerpoint/2012/main" xmlns=""/>
+      <p15:notesGuideLst xmlns="" xmlns:p15="http://schemas.microsoft.com/office/powerpoint/2012/main"/>
     </p:ext>
   </p:extLst>
 </p:presentation>
@@ -279,7 +279,7 @@
             <a:fld id="{30A74B2F-3EEF-410A-B738-5B66A46A3256}" type="datetimeFigureOut">
               <a:rPr lang="en-US" smtClean="0"/>
               <a:pPr/>
-              <a:t>7/7/16</a:t>
+              <a:t>7/12/16</a:t>
             </a:fld>
             <a:endParaRPr lang="en-US"/>
           </a:p>
@@ -446,7 +446,7 @@
             <a:fld id="{2E5CA586-3557-4985-BCD4-35EF5AC8B4A4}" type="datetimeFigureOut">
               <a:rPr lang="en-US" smtClean="0"/>
               <a:pPr/>
-              <a:t>7/7/16</a:t>
+              <a:t>7/12/16</a:t>
             </a:fld>
             <a:endParaRPr lang="en-US"/>
           </a:p>
@@ -3598,7 +3598,59 @@
             <a:pPr marL="0" indent="0">
               <a:buNone/>
             </a:pPr>
-            <a:endParaRPr lang="en-US" dirty="0"/>
+            <a:r>
+              <a:rPr lang="en-US" b="1" dirty="0" smtClean="0"/>
+              <a:t>Notes:</a:t>
+            </a:r>
+          </a:p>
+          <a:p>
+            <a:pPr marL="171450" indent="-171450">
+              <a:buFont typeface="Arial"/>
+              <a:buChar char="•"/>
+            </a:pPr>
+            <a:r>
+              <a:rPr lang="en-US" b="0" dirty="0" smtClean="0"/>
+              <a:t>The</a:t>
+            </a:r>
+            <a:r>
+              <a:rPr lang="en-US" b="0" baseline="0" dirty="0" smtClean="0"/>
+              <a:t> Module 6 Lesson 6 Lab should be completed at this time:</a:t>
+            </a:r>
+          </a:p>
+          <a:p>
+            <a:pPr marL="628650" lvl="1" indent="-171450">
+              <a:buFont typeface="Arial"/>
+              <a:buChar char="•"/>
+            </a:pPr>
+            <a:r>
+              <a:rPr lang="en-US" b="0" dirty="0" smtClean="0"/>
+              <a:t>https://</a:t>
+            </a:r>
+            <a:r>
+              <a:rPr lang="en-US" b="0" dirty="0" err="1" smtClean="0"/>
+              <a:t>github.com</a:t>
+            </a:r>
+            <a:r>
+              <a:rPr lang="en-US" b="0" dirty="0" smtClean="0"/>
+              <a:t>/</a:t>
+            </a:r>
+            <a:r>
+              <a:rPr lang="en-US" b="0" dirty="0" err="1" smtClean="0"/>
+              <a:t>MSFTImagine</a:t>
+            </a:r>
+            <a:r>
+              <a:rPr lang="en-US" b="0" dirty="0" smtClean="0"/>
+              <a:t>/</a:t>
+            </a:r>
+            <a:r>
+              <a:rPr lang="en-US" b="0" dirty="0" err="1" smtClean="0"/>
+              <a:t>computerscience</a:t>
+            </a:r>
+            <a:r>
+              <a:rPr lang="en-US" b="0" smtClean="0"/>
+              <a:t>/tree/master/Complimentary%20Course%20Content/Module6/Labs</a:t>
+            </a:r>
+            <a:endParaRPr lang="en-US" b="0" dirty="0"/>
           </a:p>
         </p:txBody>
       </p:sp>
@@ -12504,7 +12556,7 @@
                 <a:latin typeface="Segoe UI"/>
               </a:rPr>
               <a:pPr/>
-              <a:t>7/7/16</a:t>
+              <a:t>7/12/16</a:t>
             </a:fld>
             <a:endParaRPr lang="en-US">
               <a:solidFill>
@@ -12709,7 +12761,7 @@
                 <a:latin typeface="Segoe UI"/>
               </a:rPr>
               <a:pPr/>
-              <a:t>7/7/16</a:t>
+              <a:t>7/12/16</a:t>
             </a:fld>
             <a:endParaRPr lang="en-US">
               <a:solidFill>
@@ -13007,7 +13059,7 @@
                 <a:latin typeface="Segoe UI"/>
               </a:rPr>
               <a:pPr/>
-              <a:t>7/7/16</a:t>
+              <a:t>7/12/16</a:t>
             </a:fld>
             <a:endParaRPr lang="en-US">
               <a:solidFill>
@@ -13351,7 +13403,7 @@
                 <a:latin typeface="Segoe UI"/>
               </a:rPr>
               <a:pPr/>
-              <a:t>7/7/16</a:t>
+              <a:t>7/12/16</a:t>
             </a:fld>
             <a:endParaRPr lang="en-US">
               <a:solidFill>
@@ -13726,7 +13778,7 @@
                 <a:latin typeface="Segoe UI"/>
               </a:rPr>
               <a:pPr/>
-              <a:t>7/7/16</a:t>
+              <a:t>7/12/16</a:t>
             </a:fld>
             <a:endParaRPr lang="en-US">
               <a:solidFill>
@@ -15037,7 +15089,7 @@
                 <a:latin typeface="Segoe UI"/>
               </a:rPr>
               <a:pPr/>
-              <a:t>7/7/16</a:t>
+              <a:t>7/12/16</a:t>
             </a:fld>
             <a:endParaRPr lang="en-US">
               <a:solidFill>
@@ -15438,7 +15490,7 @@
                 <a:latin typeface="Segoe UI"/>
               </a:rPr>
               <a:pPr/>
-              <a:t>7/7/16</a:t>
+              <a:t>7/12/16</a:t>
             </a:fld>
             <a:endParaRPr lang="en-US">
               <a:solidFill>
@@ -15592,7 +15644,7 @@
                 <a:latin typeface="Segoe UI"/>
               </a:rPr>
               <a:pPr/>
-              <a:t>7/7/16</a:t>
+              <a:t>7/12/16</a:t>
             </a:fld>
             <a:endParaRPr lang="en-US">
               <a:solidFill>
@@ -15724,7 +15776,7 @@
                 <a:latin typeface="Segoe UI"/>
               </a:rPr>
               <a:pPr/>
-              <a:t>7/7/16</a:t>
+              <a:t>7/12/16</a:t>
             </a:fld>
             <a:endParaRPr lang="en-US">
               <a:solidFill>
@@ -16036,7 +16088,7 @@
                 <a:latin typeface="Segoe UI"/>
               </a:rPr>
               <a:pPr/>
-              <a:t>7/7/16</a:t>
+              <a:t>7/12/16</a:t>
             </a:fld>
             <a:endParaRPr lang="en-US">
               <a:solidFill>
@@ -16325,7 +16377,7 @@
                 <a:latin typeface="Segoe UI"/>
               </a:rPr>
               <a:pPr/>
-              <a:t>7/7/16</a:t>
+              <a:t>7/12/16</a:t>
             </a:fld>
             <a:endParaRPr lang="en-US">
               <a:solidFill>
@@ -16530,7 +16582,7 @@
                 <a:latin typeface="Segoe UI"/>
               </a:rPr>
               <a:pPr/>
-              <a:t>7/7/16</a:t>
+              <a:t>7/12/16</a:t>
             </a:fld>
             <a:endParaRPr lang="en-US">
               <a:solidFill>
@@ -16745,7 +16797,7 @@
                 <a:latin typeface="Segoe UI"/>
               </a:rPr>
               <a:pPr/>
-              <a:t>7/7/16</a:t>
+              <a:t>7/12/16</a:t>
             </a:fld>
             <a:endParaRPr lang="en-US">
               <a:solidFill>
@@ -16988,7 +17040,7 @@
                 <a:latin typeface="Segoe UI"/>
               </a:rPr>
               <a:pPr/>
-              <a:t>7/7/16</a:t>
+              <a:t>7/12/16</a:t>
             </a:fld>
             <a:endParaRPr lang="en-US">
               <a:solidFill>
@@ -17193,7 +17245,7 @@
                 <a:latin typeface="Segoe UI"/>
               </a:rPr>
               <a:pPr/>
-              <a:t>7/7/16</a:t>
+              <a:t>7/12/16</a:t>
             </a:fld>
             <a:endParaRPr lang="en-US">
               <a:solidFill>
@@ -17948,7 +18000,7 @@
                 <a:latin typeface="Segoe UI"/>
               </a:rPr>
               <a:pPr/>
-              <a:t>7/7/16</a:t>
+              <a:t>7/12/16</a:t>
             </a:fld>
             <a:endParaRPr lang="en-US">
               <a:solidFill>
@@ -18292,7 +18344,7 @@
                 <a:latin typeface="Segoe UI"/>
               </a:rPr>
               <a:pPr/>
-              <a:t>7/7/16</a:t>
+              <a:t>7/12/16</a:t>
             </a:fld>
             <a:endParaRPr lang="en-US">
               <a:solidFill>
@@ -18667,7 +18719,7 @@
                 <a:latin typeface="Segoe UI"/>
               </a:rPr>
               <a:pPr/>
-              <a:t>7/7/16</a:t>
+              <a:t>7/12/16</a:t>
             </a:fld>
             <a:endParaRPr lang="en-US">
               <a:solidFill>
@@ -19611,7 +19663,7 @@
                 <a:latin typeface="Segoe UI"/>
               </a:rPr>
               <a:pPr/>
-              <a:t>7/7/16</a:t>
+              <a:t>7/12/16</a:t>
             </a:fld>
             <a:endParaRPr lang="en-US">
               <a:solidFill>
@@ -20012,7 +20064,7 @@
                 <a:latin typeface="Segoe UI"/>
               </a:rPr>
               <a:pPr/>
-              <a:t>7/7/16</a:t>
+              <a:t>7/12/16</a:t>
             </a:fld>
             <a:endParaRPr lang="en-US">
               <a:solidFill>
@@ -20166,7 +20218,7 @@
                 <a:latin typeface="Segoe UI"/>
               </a:rPr>
               <a:pPr/>
-              <a:t>7/7/16</a:t>
+              <a:t>7/12/16</a:t>
             </a:fld>
             <a:endParaRPr lang="en-US">
               <a:solidFill>
@@ -20298,7 +20350,7 @@
                 <a:latin typeface="Segoe UI"/>
               </a:rPr>
               <a:pPr/>
-              <a:t>7/7/16</a:t>
+              <a:t>7/12/16</a:t>
             </a:fld>
             <a:endParaRPr lang="en-US">
               <a:solidFill>
@@ -21173,7 +21225,7 @@
                 <a:latin typeface="Segoe UI"/>
               </a:rPr>
               <a:pPr/>
-              <a:t>7/7/16</a:t>
+              <a:t>7/12/16</a:t>
             </a:fld>
             <a:endParaRPr lang="en-US">
               <a:solidFill>
@@ -21462,7 +21514,7 @@
                 <a:latin typeface="Segoe UI"/>
               </a:rPr>
               <a:pPr/>
-              <a:t>7/7/16</a:t>
+              <a:t>7/12/16</a:t>
             </a:fld>
             <a:endParaRPr lang="en-US">
               <a:solidFill>
@@ -21667,7 +21719,7 @@
                 <a:latin typeface="Segoe UI"/>
               </a:rPr>
               <a:pPr/>
-              <a:t>7/7/16</a:t>
+              <a:t>7/12/16</a:t>
             </a:fld>
             <a:endParaRPr lang="en-US">
               <a:solidFill>
@@ -21882,7 +21934,7 @@
                 <a:latin typeface="Segoe UI"/>
               </a:rPr>
               <a:pPr/>
-              <a:t>7/7/16</a:t>
+              <a:t>7/12/16</a:t>
             </a:fld>
             <a:endParaRPr lang="en-US">
               <a:solidFill>
@@ -23567,7 +23619,7 @@
                 <a:latin typeface="Segoe UI"/>
               </a:rPr>
               <a:pPr/>
-              <a:t>7/7/16</a:t>
+              <a:t>7/12/16</a:t>
             </a:fld>
             <a:endParaRPr lang="en-US">
               <a:solidFill>
@@ -24147,7 +24199,7 @@
                 <a:latin typeface="Segoe UI"/>
               </a:rPr>
               <a:pPr/>
-              <a:t>7/7/16</a:t>
+              <a:t>7/12/16</a:t>
             </a:fld>
             <a:endParaRPr lang="en-US">
               <a:solidFill>
@@ -41383,14 +41435,14 @@
                 <a:gridCol w="2773680">
                   <a:extLst>
                     <a:ext uri="{9D8B030D-6E8A-4147-A177-3AD203B41FA5}">
-                      <a16:colId xmlns="" xmlns:a16="http://schemas.microsoft.com/office/drawing/2014/main" val="34350819"/>
+                      <a16:colId xmlns:a16="http://schemas.microsoft.com/office/drawing/2014/main" xmlns="" val="34350819"/>
                     </a:ext>
                   </a:extLst>
                 </a:gridCol>
                 <a:gridCol w="7741920">
                   <a:extLst>
                     <a:ext uri="{9D8B030D-6E8A-4147-A177-3AD203B41FA5}">
-                      <a16:colId xmlns="" xmlns:a16="http://schemas.microsoft.com/office/drawing/2014/main" val="231817109"/>
+                      <a16:colId xmlns:a16="http://schemas.microsoft.com/office/drawing/2014/main" xmlns="" val="231817109"/>
                     </a:ext>
                   </a:extLst>
                 </a:gridCol>
@@ -41434,7 +41486,7 @@
                 </a:tc>
                 <a:extLst>
                   <a:ext uri="{0D108BD9-81ED-4DB2-BD59-A6C34878D82A}">
-                    <a16:rowId xmlns="" xmlns:a16="http://schemas.microsoft.com/office/drawing/2014/main" val="3435116614"/>
+                    <a16:rowId xmlns:a16="http://schemas.microsoft.com/office/drawing/2014/main" xmlns="" val="3435116614"/>
                   </a:ext>
                 </a:extLst>
               </a:tr>
@@ -41497,7 +41549,7 @@
                 </a:tc>
                 <a:extLst>
                   <a:ext uri="{0D108BD9-81ED-4DB2-BD59-A6C34878D82A}">
-                    <a16:rowId xmlns="" xmlns:a16="http://schemas.microsoft.com/office/drawing/2014/main" val="3284797959"/>
+                    <a16:rowId xmlns:a16="http://schemas.microsoft.com/office/drawing/2014/main" xmlns="" val="3284797959"/>
                   </a:ext>
                 </a:extLst>
               </a:tr>
@@ -41544,7 +41596,7 @@
                 </a:tc>
                 <a:extLst>
                   <a:ext uri="{0D108BD9-81ED-4DB2-BD59-A6C34878D82A}">
-                    <a16:rowId xmlns="" xmlns:a16="http://schemas.microsoft.com/office/drawing/2014/main" val="2116924200"/>
+                    <a16:rowId xmlns:a16="http://schemas.microsoft.com/office/drawing/2014/main" xmlns="" val="2116924200"/>
                   </a:ext>
                 </a:extLst>
               </a:tr>
@@ -41594,7 +41646,7 @@
                 </a:tc>
                 <a:extLst>
                   <a:ext uri="{0D108BD9-81ED-4DB2-BD59-A6C34878D82A}">
-                    <a16:rowId xmlns="" xmlns:a16="http://schemas.microsoft.com/office/drawing/2014/main" val="3256579316"/>
+                    <a16:rowId xmlns:a16="http://schemas.microsoft.com/office/drawing/2014/main" xmlns="" val="3256579316"/>
                   </a:ext>
                 </a:extLst>
               </a:tr>
@@ -41644,7 +41696,7 @@
                 </a:tc>
                 <a:extLst>
                   <a:ext uri="{0D108BD9-81ED-4DB2-BD59-A6C34878D82A}">
-                    <a16:rowId xmlns="" xmlns:a16="http://schemas.microsoft.com/office/drawing/2014/main" val="1256079255"/>
+                    <a16:rowId xmlns:a16="http://schemas.microsoft.com/office/drawing/2014/main" xmlns="" val="1256079255"/>
                   </a:ext>
                 </a:extLst>
               </a:tr>
@@ -41694,7 +41746,7 @@
                 </a:tc>
                 <a:extLst>
                   <a:ext uri="{0D108BD9-81ED-4DB2-BD59-A6C34878D82A}">
-                    <a16:rowId xmlns="" xmlns:a16="http://schemas.microsoft.com/office/drawing/2014/main" val="4017772397"/>
+                    <a16:rowId xmlns:a16="http://schemas.microsoft.com/office/drawing/2014/main" xmlns="" val="4017772397"/>
                   </a:ext>
                 </a:extLst>
               </a:tr>
@@ -41744,7 +41796,7 @@
                 </a:tc>
                 <a:extLst>
                   <a:ext uri="{0D108BD9-81ED-4DB2-BD59-A6C34878D82A}">
-                    <a16:rowId xmlns="" xmlns:a16="http://schemas.microsoft.com/office/drawing/2014/main" val="383767908"/>
+                    <a16:rowId xmlns:a16="http://schemas.microsoft.com/office/drawing/2014/main" xmlns="" val="383767908"/>
                   </a:ext>
                 </a:extLst>
               </a:tr>
@@ -52020,7 +52072,7 @@
   <a:extraClrSchemeLst/>
   <a:extLst>
     <a:ext uri="{05A4C25C-085E-4340-85A3-A5531E510DB2}">
-      <thm15:themeFamily xmlns:thm15="http://schemas.microsoft.com/office/thememl/2012/main" xmlns="" name="Azure4ResearchTemplate" id="{DD1C6CE8-BDBA-0D4F-9930-3643ABC8EF0E}" vid="{B5C66FD7-0952-994B-96D6-AB3BB89097FE}"/>
+      <thm15:themeFamily xmlns="" xmlns:thm15="http://schemas.microsoft.com/office/thememl/2012/main" name="Azure4ResearchTemplate" id="{DD1C6CE8-BDBA-0D4F-9930-3643ABC8EF0E}" vid="{B5C66FD7-0952-994B-96D6-AB3BB89097FE}"/>
     </a:ext>
   </a:extLst>
 </a:theme>
@@ -52289,7 +52341,7 @@
   <a:extraClrSchemeLst/>
   <a:extLst>
     <a:ext uri="{05A4C25C-085E-4340-85A3-A5531E510DB2}">
-      <thm15:themeFamily xmlns:thm15="http://schemas.microsoft.com/office/thememl/2012/main" xmlns="" name="Office Theme" id="{62F939B6-93AF-4DB8-9C6B-D6C7DFDC589F}" vid="{4A3C46E8-61CC-4603-A589-7422A47A8E4A}"/>
+      <thm15:themeFamily xmlns="" xmlns:thm15="http://schemas.microsoft.com/office/thememl/2012/main" name="Office Theme" id="{62F939B6-93AF-4DB8-9C6B-D6C7DFDC589F}" vid="{4A3C46E8-61CC-4603-A589-7422A47A8E4A}"/>
     </a:ext>
   </a:extLst>
 </a:theme>
@@ -52558,7 +52610,7 @@
   <a:extraClrSchemeLst/>
   <a:extLst>
     <a:ext uri="{05A4C25C-085E-4340-85A3-A5531E510DB2}">
-      <thm15:themeFamily xmlns:thm15="http://schemas.microsoft.com/office/thememl/2012/main" xmlns="" name="Office Theme" id="{62F939B6-93AF-4DB8-9C6B-D6C7DFDC589F}" vid="{4A3C46E8-61CC-4603-A589-7422A47A8E4A}"/>
+      <thm15:themeFamily xmlns="" xmlns:thm15="http://schemas.microsoft.com/office/thememl/2012/main" name="Office Theme" id="{62F939B6-93AF-4DB8-9C6B-D6C7DFDC589F}" vid="{4A3C46E8-61CC-4603-A589-7422A47A8E4A}"/>
     </a:ext>
   </a:extLst>
 </a:theme>
@@ -52819,7 +52871,7 @@
   <a:extraClrSchemeLst/>
   <a:extLst>
     <a:ext uri="{05A4C25C-085E-4340-85A3-A5531E510DB2}">
-      <thm15:themeFamily xmlns:thm15="http://schemas.microsoft.com/office/thememl/2012/main" xmlns="" name="Office Theme" id="{62F939B6-93AF-4DB8-9C6B-D6C7DFDC589F}" vid="{4A3C46E8-61CC-4603-A589-7422A47A8E4A}"/>
+      <thm15:themeFamily xmlns="" xmlns:thm15="http://schemas.microsoft.com/office/thememl/2012/main" name="Office Theme" id="{62F939B6-93AF-4DB8-9C6B-D6C7DFDC589F}" vid="{4A3C46E8-61CC-4603-A589-7422A47A8E4A}"/>
     </a:ext>
   </a:extLst>
 </a:theme>
@@ -53114,7 +53166,7 @@
   <a:extraClrSchemeLst/>
   <a:extLst>
     <a:ext uri="{05A4C25C-085E-4340-85A3-A5531E510DB2}">
-      <thm15:themeFamily xmlns:thm15="http://schemas.microsoft.com/office/thememl/2012/main" xmlns="" name="Office Theme" id="{62F939B6-93AF-4DB8-9C6B-D6C7DFDC589F}" vid="{4A3C46E8-61CC-4603-A589-7422A47A8E4A}"/>
+      <thm15:themeFamily xmlns="" xmlns:thm15="http://schemas.microsoft.com/office/thememl/2012/main" name="Office Theme" id="{62F939B6-93AF-4DB8-9C6B-D6C7DFDC589F}" vid="{4A3C46E8-61CC-4603-A589-7422A47A8E4A}"/>
     </a:ext>
   </a:extLst>
 </a:theme>
